--- a/Abschlussprojekt.pptx
+++ b/Abschlussprojekt.pptx
@@ -313,7 +313,7 @@
   <pc:docChgLst>
     <pc:chgData name="Mustafa Sagaaro" userId="454613c7-4742-4d67-b680-23ead7bfa225" providerId="ADAL" clId="{29C34A86-45A5-474E-A6C2-539C7DBA0FFC}"/>
     <pc:docChg chg="undo custSel addSld delSld modSld sldOrd delMainMaster">
-      <pc:chgData name="Mustafa Sagaaro" userId="454613c7-4742-4d67-b680-23ead7bfa225" providerId="ADAL" clId="{29C34A86-45A5-474E-A6C2-539C7DBA0FFC}" dt="2023-07-05T12:34:15.342" v="3777" actId="313"/>
+      <pc:chgData name="Mustafa Sagaaro" userId="454613c7-4742-4d67-b680-23ead7bfa225" providerId="ADAL" clId="{29C34A86-45A5-474E-A6C2-539C7DBA0FFC}" dt="2023-07-06T06:42:31.904" v="3780" actId="20577"/>
       <pc:docMkLst>
         <pc:docMk/>
       </pc:docMkLst>
@@ -678,7 +678,7 @@
         </pc:picChg>
       </pc:sldChg>
       <pc:sldChg chg="modSp mod ord modTransition">
-        <pc:chgData name="Mustafa Sagaaro" userId="454613c7-4742-4d67-b680-23ead7bfa225" providerId="ADAL" clId="{29C34A86-45A5-474E-A6C2-539C7DBA0FFC}" dt="2023-07-05T08:32:43.280" v="2507"/>
+        <pc:chgData name="Mustafa Sagaaro" userId="454613c7-4742-4d67-b680-23ead7bfa225" providerId="ADAL" clId="{29C34A86-45A5-474E-A6C2-539C7DBA0FFC}" dt="2023-07-06T06:42:31.904" v="3780" actId="20577"/>
         <pc:sldMkLst>
           <pc:docMk/>
           <pc:sldMk cId="0" sldId="264"/>
@@ -724,7 +724,7 @@
           </ac:spMkLst>
         </pc:spChg>
         <pc:spChg chg="mod">
-          <ac:chgData name="Mustafa Sagaaro" userId="454613c7-4742-4d67-b680-23ead7bfa225" providerId="ADAL" clId="{29C34A86-45A5-474E-A6C2-539C7DBA0FFC}" dt="2023-06-30T09:34:08.887" v="1580" actId="20577"/>
+          <ac:chgData name="Mustafa Sagaaro" userId="454613c7-4742-4d67-b680-23ead7bfa225" providerId="ADAL" clId="{29C34A86-45A5-474E-A6C2-539C7DBA0FFC}" dt="2023-07-06T06:42:31.904" v="3780" actId="20577"/>
           <ac:spMkLst>
             <pc:docMk/>
             <pc:sldMk cId="0" sldId="264"/>
@@ -29699,13 +29699,13 @@
   <p:clrMapOvr>
     <a:masterClrMapping/>
   </p:clrMapOvr>
-  <mc:AlternateContent xmlns:mc="http://schemas.openxmlformats.org/markup-compatibility/2006">
-    <mc:Choice xmlns:p14="http://schemas.microsoft.com/office/powerpoint/2010/main" Requires="p14">
+  <mc:AlternateContent xmlns:mc="http://schemas.openxmlformats.org/markup-compatibility/2006" xmlns:p14="http://schemas.microsoft.com/office/powerpoint/2010/main">
+    <mc:Choice Requires="p14">
       <p:transition spd="med" p14:dur="700">
         <p:fade/>
       </p:transition>
     </mc:Choice>
-    <mc:Fallback>
+    <mc:Fallback xmlns="">
       <p:transition spd="med">
         <p:fade/>
       </p:transition>
@@ -32419,13 +32419,13 @@
   <p:clrMapOvr>
     <a:masterClrMapping/>
   </p:clrMapOvr>
-  <mc:AlternateContent xmlns:mc="http://schemas.openxmlformats.org/markup-compatibility/2006">
-    <mc:Choice xmlns:p159="http://schemas.microsoft.com/office/powerpoint/2015/09/main" Requires="p159">
+  <mc:AlternateContent xmlns:mc="http://schemas.openxmlformats.org/markup-compatibility/2006" xmlns:p159="http://schemas.microsoft.com/office/powerpoint/2015/09/main">
+    <mc:Choice Requires="p159">
       <p:transition xmlns:p14="http://schemas.microsoft.com/office/powerpoint/2010/main" spd="slow" p14:dur="2000">
         <p159:morph option="byObject"/>
       </p:transition>
     </mc:Choice>
-    <mc:Fallback>
+    <mc:Fallback xmlns="">
       <p:transition spd="slow">
         <p:fade/>
       </p:transition>
@@ -36855,13 +36855,13 @@
   <p:clrMapOvr>
     <a:masterClrMapping/>
   </p:clrMapOvr>
-  <mc:AlternateContent xmlns:mc="http://schemas.openxmlformats.org/markup-compatibility/2006">
-    <mc:Choice xmlns:p159="http://schemas.microsoft.com/office/powerpoint/2015/09/main" Requires="p159">
+  <mc:AlternateContent xmlns:mc="http://schemas.openxmlformats.org/markup-compatibility/2006" xmlns:p159="http://schemas.microsoft.com/office/powerpoint/2015/09/main">
+    <mc:Choice Requires="p159">
       <p:transition xmlns:p14="http://schemas.microsoft.com/office/powerpoint/2010/main" spd="slow" p14:dur="2000">
         <p159:morph option="byObject"/>
       </p:transition>
     </mc:Choice>
-    <mc:Fallback>
+    <mc:Fallback xmlns="">
       <p:transition spd="slow">
         <p:fade/>
       </p:transition>
@@ -37181,8 +37181,8 @@
         </p:nvSpPr>
         <p:spPr>
           <a:xfrm>
-            <a:off x="2897813" y="2415113"/>
-            <a:ext cx="1514400" cy="894600"/>
+            <a:off x="2897812" y="2415113"/>
+            <a:ext cx="1610185" cy="894600"/>
           </a:xfrm>
           <a:prstGeom prst="rect">
             <a:avLst/>
@@ -37224,7 +37224,7 @@
             </a:r>
             <a:r>
               <a:rPr lang="de-CH" sz="1100" dirty="0"/>
-              <a:t>? Was ist alles möglich(Inspiration)? Wie wende ich dieses an </a:t>
+              <a:t>? Was ist alles möglich(Inspiration)? Wie wende ich dieses an?</a:t>
             </a:r>
             <a:endParaRPr sz="1100" dirty="0"/>
           </a:p>
@@ -38832,13 +38832,13 @@
   <p:clrMapOvr>
     <a:masterClrMapping/>
   </p:clrMapOvr>
-  <mc:AlternateContent xmlns:mc="http://schemas.openxmlformats.org/markup-compatibility/2006">
-    <mc:Choice xmlns:p159="http://schemas.microsoft.com/office/powerpoint/2015/09/main" Requires="p159">
+  <mc:AlternateContent xmlns:mc="http://schemas.openxmlformats.org/markup-compatibility/2006" xmlns:p159="http://schemas.microsoft.com/office/powerpoint/2015/09/main">
+    <mc:Choice Requires="p159">
       <p:transition xmlns:p14="http://schemas.microsoft.com/office/powerpoint/2010/main" spd="slow" p14:dur="2000">
         <p159:morph option="byObject"/>
       </p:transition>
     </mc:Choice>
-    <mc:Fallback>
+    <mc:Fallback xmlns="">
       <p:transition spd="slow">
         <p:fade/>
       </p:transition>
